--- a/JAVA PPT/Day19 .pptx
+++ b/JAVA PPT/Day19 .pptx
@@ -18,7 +18,6 @@
     <p:sldId id="320" r:id="rId11"/>
     <p:sldId id="324" r:id="rId12"/>
     <p:sldId id="322" r:id="rId13"/>
-    <p:sldId id="325" r:id="rId14"/>
   </p:sldIdLst>
   <p:sldSz cx="9144000" cy="5143500" type="screen16x9"/>
   <p:notesSz cx="6858000" cy="9144000"/>
@@ -254,12 +253,17 @@
   <p:extLst>
     <p:ext uri="{EFAFB233-063F-42B5-8137-9DF3F51BA10A}">
       <p15:sldGuideLst xmlns:p15="http://schemas.microsoft.com/office/powerpoint/2012/main">
-        <p15:guide id="1" orient="horz" pos="1754" userDrawn="1">
+        <p15:guide id="1" orient="horz" pos="1620" userDrawn="1">
           <p15:clr>
             <a:srgbClr val="A4A3A4"/>
           </p15:clr>
         </p15:guide>
-        <p15:guide id="2" pos="2880" userDrawn="1">
+        <p15:guide id="2" pos="2876" userDrawn="1">
+          <p15:clr>
+            <a:srgbClr val="A4A3A4"/>
+          </p15:clr>
+        </p15:guide>
+        <p15:guide id="1" orient="horz" pos="1754" userDrawn="1">
           <p15:clr>
             <a:srgbClr val="A4A3A4"/>
           </p15:clr>
@@ -813,109 +817,6 @@
 </file>
 
 <file path=ppt/notesSlides/notesSlide10.xml><?xml version="1.0" encoding="utf-8"?>
-<p:notes xmlns:a="http://schemas.openxmlformats.org/drawingml/2006/main" xmlns:r="http://schemas.openxmlformats.org/officeDocument/2006/relationships" xmlns:p="http://schemas.openxmlformats.org/presentationml/2006/main" showMasterPhAnim="0" showMasterSp="0">
-  <p:cSld>
-    <p:spTree>
-      <p:nvGrpSpPr>
-        <p:cNvPr id="1" name="Shape 454"/>
-        <p:cNvGrpSpPr/>
-        <p:nvPr/>
-      </p:nvGrpSpPr>
-      <p:grpSpPr>
-        <a:xfrm>
-          <a:off x="0" y="0"/>
-          <a:ext cx="0" cy="0"/>
-          <a:chOff x="0" y="0"/>
-          <a:chExt cx="0" cy="0"/>
-        </a:xfrm>
-      </p:grpSpPr>
-      <p:sp>
-        <p:nvSpPr>
-          <p:cNvPr id="455" name="Google Shape;455;ge7b5133482_0_0:notes"/>
-          <p:cNvSpPr>
-            <a:spLocks noGrp="1" noRot="1" noChangeAspect="1"/>
-          </p:cNvSpPr>
-          <p:nvPr>
-            <p:ph type="sldImg" idx="2"/>
-          </p:nvPr>
-        </p:nvSpPr>
-        <p:spPr>
-          <a:xfrm>
-            <a:off x="381000" y="685800"/>
-            <a:ext cx="6096000" cy="3429000"/>
-          </a:xfrm>
-          <a:custGeom>
-            <a:avLst/>
-            <a:gdLst/>
-            <a:ahLst/>
-            <a:cxnLst/>
-            <a:rect l="l" t="t" r="r" b="b"/>
-            <a:pathLst>
-              <a:path w="120000" h="120000" extrusionOk="0">
-                <a:moveTo>
-                  <a:pt x="0" y="0"/>
-                </a:moveTo>
-                <a:lnTo>
-                  <a:pt x="120000" y="0"/>
-                </a:lnTo>
-                <a:lnTo>
-                  <a:pt x="120000" y="120000"/>
-                </a:lnTo>
-                <a:lnTo>
-                  <a:pt x="0" y="120000"/>
-                </a:lnTo>
-                <a:close/>
-              </a:path>
-            </a:pathLst>
-          </a:custGeom>
-        </p:spPr>
-      </p:sp>
-      <p:sp>
-        <p:nvSpPr>
-          <p:cNvPr id="456" name="Google Shape;456;ge7b5133482_0_0:notes"/>
-          <p:cNvSpPr txBox="1">
-            <a:spLocks noGrp="1"/>
-          </p:cNvSpPr>
-          <p:nvPr>
-            <p:ph type="body" idx="1"/>
-          </p:nvPr>
-        </p:nvSpPr>
-        <p:spPr>
-          <a:xfrm>
-            <a:off x="685800" y="4343400"/>
-            <a:ext cx="5486400" cy="4114800"/>
-          </a:xfrm>
-          <a:prstGeom prst="rect">
-            <a:avLst/>
-          </a:prstGeom>
-        </p:spPr>
-        <p:txBody>
-          <a:bodyPr spcFirstLastPara="1" wrap="square" lIns="91425" tIns="91425" rIns="91425" bIns="91425" anchor="t" anchorCtr="0">
-            <a:noAutofit/>
-          </a:bodyPr>
-          <a:lstStyle/>
-          <a:p>
-            <a:pPr marL="0" lvl="0" indent="0" algn="l" rtl="0">
-              <a:spcBef>
-                <a:spcPts val="0"/>
-              </a:spcBef>
-              <a:spcAft>
-                <a:spcPts val="0"/>
-              </a:spcAft>
-              <a:buNone/>
-            </a:pPr>
-          </a:p>
-        </p:txBody>
-      </p:sp>
-    </p:spTree>
-  </p:cSld>
-  <p:clrMapOvr>
-    <a:masterClrMapping/>
-  </p:clrMapOvr>
-</p:notes>
-</file>
-
-<file path=ppt/notesSlides/notesSlide11.xml><?xml version="1.0" encoding="utf-8"?>
 <p:notes xmlns:a="http://schemas.openxmlformats.org/drawingml/2006/main" xmlns:r="http://schemas.openxmlformats.org/officeDocument/2006/relationships" xmlns:p="http://schemas.openxmlformats.org/presentationml/2006/main" showMasterPhAnim="0" showMasterSp="0">
   <p:cSld>
     <p:spTree>
@@ -10777,277 +10678,33 @@
       </p:sp>
       <p:pic>
         <p:nvPicPr>
-          <p:cNvPr id="2" name="Picture 1" descr="type5"/>
+          <p:cNvPr id="3" name="Picture 2"/>
           <p:cNvPicPr>
             <a:picLocks noChangeAspect="1"/>
           </p:cNvPicPr>
-          <p:nvPr/>
+          <p:nvPr>
+            <p:custDataLst>
+              <p:tags r:id="rId1"/>
+            </p:custDataLst>
+          </p:nvPr>
         </p:nvPicPr>
         <p:blipFill>
-          <a:blip r:embed="rId1"/>
-          <a:srcRect l="9014" t="17274" r="8859" b="16946"/>
+          <a:blip r:embed="rId2"/>
+          <a:srcRect l="11181" t="10513" r="10995" b="12881"/>
           <a:stretch>
             <a:fillRect/>
           </a:stretch>
         </p:blipFill>
         <p:spPr>
           <a:xfrm>
-            <a:off x="2253615" y="1885950"/>
-            <a:ext cx="5321300" cy="1964055"/>
+            <a:off x="1845310" y="1840230"/>
+            <a:ext cx="4293235" cy="2117725"/>
           </a:xfrm>
           <a:prstGeom prst="rect">
             <a:avLst/>
           </a:prstGeom>
         </p:spPr>
       </p:pic>
-    </p:spTree>
-  </p:cSld>
-  <p:clrMapOvr>
-    <a:masterClrMapping/>
-  </p:clrMapOvr>
-  <p:timing>
-    <p:tnLst>
-      <p:par>
-        <p:cTn id="1" dur="indefinite" restart="never" nodeType="tmRoot"/>
-      </p:par>
-    </p:tnLst>
-  </p:timing>
-</p:sld>
-</file>
-
-<file path=ppt/slides/slide11.xml><?xml version="1.0" encoding="utf-8"?>
-<p:sld xmlns:a="http://schemas.openxmlformats.org/drawingml/2006/main" xmlns:r="http://schemas.openxmlformats.org/officeDocument/2006/relationships" xmlns:p="http://schemas.openxmlformats.org/presentationml/2006/main">
-  <p:cSld>
-    <p:spTree>
-      <p:nvGrpSpPr>
-        <p:cNvPr id="1" name="Shape 457"/>
-        <p:cNvGrpSpPr/>
-        <p:nvPr/>
-      </p:nvGrpSpPr>
-      <p:grpSpPr>
-        <a:xfrm>
-          <a:off x="0" y="0"/>
-          <a:ext cx="0" cy="0"/>
-          <a:chOff x="0" y="0"/>
-          <a:chExt cx="0" cy="0"/>
-        </a:xfrm>
-      </p:grpSpPr>
-      <p:sp>
-        <p:nvSpPr>
-          <p:cNvPr id="460" name="Google Shape;460;p27"/>
-          <p:cNvSpPr txBox="1">
-            <a:spLocks noGrp="1"/>
-          </p:cNvSpPr>
-          <p:nvPr>
-            <p:ph type="subTitle" idx="1"/>
-          </p:nvPr>
-        </p:nvSpPr>
-        <p:spPr>
-          <a:xfrm>
-            <a:off x="660595" y="4694725"/>
-            <a:ext cx="4865100" cy="357300"/>
-          </a:xfrm>
-          <a:prstGeom prst="rect">
-            <a:avLst/>
-          </a:prstGeom>
-        </p:spPr>
-        <p:txBody>
-          <a:bodyPr spcFirstLastPara="1" wrap="square" lIns="91425" tIns="91425" rIns="91425" bIns="91425" anchor="ctr" anchorCtr="0">
-            <a:noAutofit/>
-          </a:bodyPr>
-          <a:lstStyle/>
-          <a:p>
-            <a:pPr marL="0" lvl="0" indent="0" algn="l" rtl="0">
-              <a:spcBef>
-                <a:spcPts val="0"/>
-              </a:spcBef>
-              <a:spcAft>
-                <a:spcPts val="0"/>
-              </a:spcAft>
-              <a:buNone/>
-            </a:pPr>
-            <a:r>
-              <a:rPr lang="en-GB" sz="1400" dirty="0">
-                <a:solidFill>
-                  <a:schemeClr val="accent3"/>
-                </a:solidFill>
-              </a:rPr>
-              <a:t>JAVA Programming</a:t>
-            </a:r>
-            <a:endParaRPr sz="1400" dirty="0">
-              <a:solidFill>
-                <a:schemeClr val="accent3"/>
-              </a:solidFill>
-            </a:endParaRPr>
-          </a:p>
-        </p:txBody>
-      </p:sp>
-      <p:sp>
-        <p:nvSpPr>
-          <p:cNvPr id="465" name="Google Shape;465;p27"/>
-          <p:cNvSpPr txBox="1">
-            <a:spLocks noGrp="1"/>
-          </p:cNvSpPr>
-          <p:nvPr>
-            <p:ph type="subTitle" idx="1"/>
-          </p:nvPr>
-        </p:nvSpPr>
-        <p:spPr>
-          <a:xfrm>
-            <a:off x="-5975" y="91525"/>
-            <a:ext cx="4572000" cy="357300"/>
-          </a:xfrm>
-          <a:prstGeom prst="rect">
-            <a:avLst/>
-          </a:prstGeom>
-        </p:spPr>
-        <p:txBody>
-          <a:bodyPr spcFirstLastPara="1" wrap="square" lIns="91425" tIns="91425" rIns="91425" bIns="91425" anchor="ctr" anchorCtr="0">
-            <a:noAutofit/>
-          </a:bodyPr>
-          <a:lstStyle/>
-          <a:p>
-            <a:pPr marL="0" lvl="0" indent="0" algn="ctr" rtl="0">
-              <a:spcBef>
-                <a:spcPts val="0"/>
-              </a:spcBef>
-              <a:spcAft>
-                <a:spcPts val="0"/>
-              </a:spcAft>
-              <a:buNone/>
-            </a:pPr>
-            <a:r>
-              <a:rPr lang="en-GB" sz="1400" dirty="0"/>
-              <a:t>Hiveed</a:t>
-            </a:r>
-            <a:r>
-              <a:rPr lang="en-GB" sz="1400" dirty="0">
-                <a:solidFill>
-                  <a:schemeClr val="accent3"/>
-                </a:solidFill>
-              </a:rPr>
-              <a:t>.</a:t>
-            </a:r>
-            <a:r>
-              <a:rPr lang="en-GB" sz="1400" dirty="0"/>
-              <a:t>java</a:t>
-            </a:r>
-            <a:endParaRPr sz="1400" dirty="0">
-              <a:solidFill>
-                <a:schemeClr val="accent3"/>
-              </a:solidFill>
-            </a:endParaRPr>
-          </a:p>
-        </p:txBody>
-      </p:sp>
-      <p:sp>
-        <p:nvSpPr>
-          <p:cNvPr id="9" name="Text Box 8"/>
-          <p:cNvSpPr txBox="1"/>
-          <p:nvPr/>
-        </p:nvSpPr>
-        <p:spPr>
-          <a:xfrm>
-            <a:off x="1076960" y="564515"/>
-            <a:ext cx="2408555" cy="398780"/>
-          </a:xfrm>
-          <a:prstGeom prst="rect">
-            <a:avLst/>
-          </a:prstGeom>
-          <a:noFill/>
-        </p:spPr>
-        <p:txBody>
-          <a:bodyPr wrap="square" rtlCol="0">
-            <a:spAutoFit/>
-          </a:bodyPr>
-          <a:p>
-            <a:r>
-              <a:rPr lang="en-US" sz="2000">
-                <a:solidFill>
-                  <a:srgbClr val="FF0000"/>
-                </a:solidFill>
-                <a:latin typeface="firacode" charset="0"/>
-                <a:cs typeface="firacode" charset="0"/>
-              </a:rPr>
-              <a:t>This Keyword:</a:t>
-            </a:r>
-            <a:endParaRPr lang="en-US" sz="2000">
-              <a:solidFill>
-                <a:srgbClr val="FF0000"/>
-              </a:solidFill>
-              <a:latin typeface="firacode" charset="0"/>
-              <a:cs typeface="firacode" charset="0"/>
-            </a:endParaRPr>
-          </a:p>
-        </p:txBody>
-      </p:sp>
-      <p:sp>
-        <p:nvSpPr>
-          <p:cNvPr id="11" name="Text Box 10"/>
-          <p:cNvSpPr txBox="1"/>
-          <p:nvPr/>
-        </p:nvSpPr>
-        <p:spPr>
-          <a:xfrm>
-            <a:off x="1501140" y="1579245"/>
-            <a:ext cx="7256145" cy="306705"/>
-          </a:xfrm>
-          <a:prstGeom prst="rect">
-            <a:avLst/>
-          </a:prstGeom>
-          <a:noFill/>
-        </p:spPr>
-        <p:txBody>
-          <a:bodyPr wrap="square" rtlCol="0">
-            <a:spAutoFit/>
-          </a:bodyPr>
-          <a:p>
-            <a:pPr marL="285750" indent="-285750">
-              <a:buClr>
-                <a:srgbClr val="FFFFFF"/>
-              </a:buClr>
-              <a:buFont typeface="Wingdings" panose="05000000000000000000" charset="0"/>
-              <a:buChar char="v"/>
-            </a:pPr>
-            <a:endParaRPr lang="en-US">
-              <a:solidFill>
-                <a:schemeClr val="accent6"/>
-              </a:solidFill>
-              <a:latin typeface="firacode" charset="0"/>
-              <a:cs typeface="firacode" charset="0"/>
-            </a:endParaRPr>
-          </a:p>
-        </p:txBody>
-      </p:sp>
-      <p:sp>
-        <p:nvSpPr>
-          <p:cNvPr id="3" name="Text Box 2"/>
-          <p:cNvSpPr txBox="1"/>
-          <p:nvPr/>
-        </p:nvSpPr>
-        <p:spPr>
-          <a:xfrm>
-            <a:off x="1919605" y="1175385"/>
-            <a:ext cx="7369810" cy="521970"/>
-          </a:xfrm>
-          <a:prstGeom prst="rect">
-            <a:avLst/>
-          </a:prstGeom>
-          <a:noFill/>
-        </p:spPr>
-        <p:txBody>
-          <a:bodyPr wrap="square" rtlCol="0">
-            <a:spAutoFit/>
-          </a:bodyPr>
-          <a:p>
-            <a:r>
-              <a:rPr lang="en-US"/>
-              <a:t>‘this’ is a reference variable that refers to the current object, or can be said “this” in Java is a keyword that refers to the current object instance.</a:t>
-            </a:r>
-            <a:endParaRPr lang="en-US"/>
-          </a:p>
-        </p:txBody>
-      </p:sp>
     </p:spTree>
   </p:cSld>
   <p:clrMapOvr>
@@ -13075,23 +12732,27 @@
       </p:sp>
       <p:pic>
         <p:nvPicPr>
-          <p:cNvPr id="2" name="Picture 1" descr="type1"/>
+          <p:cNvPr id="3" name="Picture 2"/>
           <p:cNvPicPr>
             <a:picLocks noChangeAspect="1"/>
           </p:cNvPicPr>
-          <p:nvPr/>
+          <p:nvPr>
+            <p:custDataLst>
+              <p:tags r:id="rId1"/>
+            </p:custDataLst>
+          </p:nvPr>
         </p:nvPicPr>
         <p:blipFill>
-          <a:blip r:embed="rId1"/>
-          <a:srcRect l="5292" t="9366" r="5236" b="9223"/>
+          <a:blip r:embed="rId2"/>
+          <a:srcRect l="2536" t="8150" r="4129" b="8526"/>
           <a:stretch>
             <a:fillRect/>
           </a:stretch>
         </p:blipFill>
         <p:spPr>
           <a:xfrm>
-            <a:off x="1224915" y="836295"/>
-            <a:ext cx="3341370" cy="3652520"/>
+            <a:off x="1160145" y="781050"/>
+            <a:ext cx="3411855" cy="3581400"/>
           </a:xfrm>
           <a:prstGeom prst="rect">
             <a:avLst/>
@@ -13100,23 +12761,27 @@
       </p:pic>
       <p:pic>
         <p:nvPicPr>
-          <p:cNvPr id="5" name="Picture 4" descr="type2"/>
+          <p:cNvPr id="4" name="Picture 3"/>
           <p:cNvPicPr>
             <a:picLocks noChangeAspect="1"/>
           </p:cNvPicPr>
-          <p:nvPr/>
+          <p:nvPr>
+            <p:custDataLst>
+              <p:tags r:id="rId3"/>
+            </p:custDataLst>
+          </p:nvPr>
         </p:nvPicPr>
         <p:blipFill>
-          <a:blip r:embed="rId2"/>
-          <a:srcRect l="5634" t="7642" r="5911" b="7556"/>
+          <a:blip r:embed="rId4"/>
+          <a:srcRect l="5470" t="7469" r="4346" b="6948"/>
           <a:stretch>
             <a:fillRect/>
           </a:stretch>
         </p:blipFill>
         <p:spPr>
           <a:xfrm>
-            <a:off x="4930140" y="745490"/>
-            <a:ext cx="3965575" cy="3797935"/>
+            <a:off x="4826635" y="925830"/>
+            <a:ext cx="3801745" cy="3390900"/>
           </a:xfrm>
           <a:prstGeom prst="rect">
             <a:avLst/>
@@ -13379,23 +13044,27 @@
       </p:sp>
       <p:pic>
         <p:nvPicPr>
-          <p:cNvPr id="3" name="Picture 2" descr="type3"/>
+          <p:cNvPr id="2" name="Picture 1"/>
           <p:cNvPicPr>
             <a:picLocks noChangeAspect="1"/>
           </p:cNvPicPr>
-          <p:nvPr/>
+          <p:nvPr>
+            <p:custDataLst>
+              <p:tags r:id="rId2"/>
+            </p:custDataLst>
+          </p:nvPr>
         </p:nvPicPr>
         <p:blipFill>
-          <a:blip r:embed="rId2"/>
-          <a:srcRect l="8240" t="13603" r="8663" b="13410"/>
+          <a:blip r:embed="rId3"/>
+          <a:srcRect l="9019" t="14096" r="8425" b="13410"/>
           <a:stretch>
             <a:fillRect/>
           </a:stretch>
         </p:blipFill>
         <p:spPr>
           <a:xfrm>
-            <a:off x="2416810" y="1107440"/>
-            <a:ext cx="5751195" cy="2750185"/>
+            <a:off x="2228215" y="1778635"/>
+            <a:ext cx="5120640" cy="2011680"/>
           </a:xfrm>
           <a:prstGeom prst="rect">
             <a:avLst/>
@@ -14467,23 +14136,27 @@
       </p:sp>
       <p:pic>
         <p:nvPicPr>
-          <p:cNvPr id="2" name="Picture 1" descr="type1"/>
+          <p:cNvPr id="5" name="Picture 4"/>
           <p:cNvPicPr>
             <a:picLocks noChangeAspect="1"/>
           </p:cNvPicPr>
-          <p:nvPr/>
+          <p:nvPr>
+            <p:custDataLst>
+              <p:tags r:id="rId1"/>
+            </p:custDataLst>
+          </p:nvPr>
         </p:nvPicPr>
         <p:blipFill>
-          <a:blip r:embed="rId1"/>
-          <a:srcRect l="5292" t="9366" r="5236" b="9223"/>
+          <a:blip r:embed="rId2"/>
+          <a:srcRect l="4961" t="7247" r="4525" b="6740"/>
           <a:stretch>
             <a:fillRect/>
           </a:stretch>
         </p:blipFill>
         <p:spPr>
           <a:xfrm>
-            <a:off x="1224915" y="633730"/>
-            <a:ext cx="3341370" cy="3652520"/>
+            <a:off x="4875530" y="633730"/>
+            <a:ext cx="3804285" cy="3707765"/>
           </a:xfrm>
           <a:prstGeom prst="rect">
             <a:avLst/>
@@ -14492,23 +14165,27 @@
       </p:pic>
       <p:pic>
         <p:nvPicPr>
-          <p:cNvPr id="3" name="Picture 2" descr="type4"/>
+          <p:cNvPr id="6" name="Picture 5"/>
           <p:cNvPicPr>
             <a:picLocks noChangeAspect="1"/>
           </p:cNvPicPr>
-          <p:nvPr/>
+          <p:nvPr>
+            <p:custDataLst>
+              <p:tags r:id="rId3"/>
+            </p:custDataLst>
+          </p:nvPr>
         </p:nvPicPr>
         <p:blipFill>
-          <a:blip r:embed="rId2"/>
-          <a:srcRect l="6312" t="6914" r="5853" b="6667"/>
+          <a:blip r:embed="rId4"/>
+          <a:srcRect l="2536" t="8150" r="4129" b="8526"/>
           <a:stretch>
             <a:fillRect/>
           </a:stretch>
         </p:blipFill>
         <p:spPr>
           <a:xfrm>
-            <a:off x="4931410" y="692150"/>
-            <a:ext cx="3982720" cy="3594100"/>
+            <a:off x="1160145" y="760095"/>
+            <a:ext cx="3411855" cy="3581400"/>
           </a:xfrm>
           <a:prstGeom prst="rect">
             <a:avLst/>
@@ -14621,6 +14298,42 @@
 </file>
 
 <file path=ppt/tags/tag23.xml><?xml version="1.0" encoding="utf-8"?>
+<p:tagLst xmlns:p="http://schemas.openxmlformats.org/presentationml/2006/main">
+  <p:tag name="KSO_WM_BEAUTIFY_FLAG" val=""/>
+</p:tagLst>
+</file>
+
+<file path=ppt/tags/tag24.xml><?xml version="1.0" encoding="utf-8"?>
+<p:tagLst xmlns:p="http://schemas.openxmlformats.org/presentationml/2006/main">
+  <p:tag name="KSO_WM_BEAUTIFY_FLAG" val=""/>
+</p:tagLst>
+</file>
+
+<file path=ppt/tags/tag25.xml><?xml version="1.0" encoding="utf-8"?>
+<p:tagLst xmlns:p="http://schemas.openxmlformats.org/presentationml/2006/main">
+  <p:tag name="KSO_WM_BEAUTIFY_FLAG" val=""/>
+</p:tagLst>
+</file>
+
+<file path=ppt/tags/tag26.xml><?xml version="1.0" encoding="utf-8"?>
+<p:tagLst xmlns:p="http://schemas.openxmlformats.org/presentationml/2006/main">
+  <p:tag name="KSO_WM_BEAUTIFY_FLAG" val=""/>
+</p:tagLst>
+</file>
+
+<file path=ppt/tags/tag27.xml><?xml version="1.0" encoding="utf-8"?>
+<p:tagLst xmlns:p="http://schemas.openxmlformats.org/presentationml/2006/main">
+  <p:tag name="KSO_WM_BEAUTIFY_FLAG" val=""/>
+</p:tagLst>
+</file>
+
+<file path=ppt/tags/tag28.xml><?xml version="1.0" encoding="utf-8"?>
+<p:tagLst xmlns:p="http://schemas.openxmlformats.org/presentationml/2006/main">
+  <p:tag name="KSO_WM_BEAUTIFY_FLAG" val=""/>
+</p:tagLst>
+</file>
+
+<file path=ppt/tags/tag29.xml><?xml version="1.0" encoding="utf-8"?>
 <p:tagLst xmlns:p="http://schemas.openxmlformats.org/presentationml/2006/main">
   <p:tag name="KSO_WM_BEAUTIFY_FLAG" val=""/>
 </p:tagLst>
